--- a/final project.pptx
+++ b/final project.pptx
@@ -16,8 +16,8 @@
     <p:sldId id="263" r:id="rId10"/>
     <p:sldId id="272" r:id="rId11"/>
     <p:sldId id="273" r:id="rId12"/>
-    <p:sldId id="268" r:id="rId13"/>
-    <p:sldId id="266" r:id="rId14"/>
+    <p:sldId id="266" r:id="rId13"/>
+    <p:sldId id="268" r:id="rId14"/>
     <p:sldId id="258" r:id="rId15"/>
   </p:sldIdLst>
   <p:sldSz cx="9144000" cy="6858000" type="screen4x3"/>
@@ -4039,6 +4039,100 @@
         </p:nvSpPr>
         <p:spPr>
           <a:xfrm>
+            <a:off x="763763" y="2360065"/>
+            <a:ext cx="6871725" cy="763525"/>
+          </a:xfrm>
+        </p:spPr>
+        <p:txBody>
+          <a:bodyPr/>
+          <a:lstStyle/>
+          <a:p>
+            <a:pPr algn="ctr"/>
+            <a:r>
+              <a:rPr lang="en-US" dirty="0"/>
+              <a:t>Predictions</a:t>
+            </a:r>
+          </a:p>
+        </p:txBody>
+      </p:sp>
+      <p:pic>
+        <p:nvPicPr>
+          <p:cNvPr id="6" name="Picture 5">
+            <a:extLst>
+              <a:ext uri="{FF2B5EF4-FFF2-40B4-BE49-F238E27FC236}">
+                <a16:creationId xmlns:a16="http://schemas.microsoft.com/office/drawing/2014/main" id="{C05CDE5A-7316-4214-A72B-2A9A810AA40B}"/>
+              </a:ext>
+            </a:extLst>
+          </p:cNvPr>
+          <p:cNvPicPr>
+            <a:picLocks noChangeAspect="1"/>
+          </p:cNvPicPr>
+          <p:nvPr/>
+        </p:nvPicPr>
+        <p:blipFill>
+          <a:blip r:embed="rId2">
+            <a:extLst>
+              <a:ext uri="{28A0092B-C50C-407E-A947-70E740481C1C}">
+                <a14:useLocalDpi xmlns:a14="http://schemas.microsoft.com/office/drawing/2010/main" val="0"/>
+              </a:ext>
+            </a:extLst>
+          </a:blip>
+          <a:stretch>
+            <a:fillRect/>
+          </a:stretch>
+        </p:blipFill>
+        <p:spPr>
+          <a:xfrm>
+            <a:off x="754375" y="3376632"/>
+            <a:ext cx="7320690" cy="2254833"/>
+          </a:xfrm>
+          <a:prstGeom prst="rect">
+            <a:avLst/>
+          </a:prstGeom>
+        </p:spPr>
+      </p:pic>
+    </p:spTree>
+    <p:extLst>
+      <p:ext uri="{BB962C8B-B14F-4D97-AF65-F5344CB8AC3E}">
+        <p14:creationId xmlns:p14="http://schemas.microsoft.com/office/powerpoint/2010/main" val="2906728378"/>
+      </p:ext>
+    </p:extLst>
+  </p:cSld>
+  <p:clrMapOvr>
+    <a:masterClrMapping/>
+  </p:clrMapOvr>
+</p:sld>
+</file>
+
+<file path=ppt/slides/slide13.xml><?xml version="1.0" encoding="utf-8"?>
+<p:sld xmlns:a="http://schemas.openxmlformats.org/drawingml/2006/main" xmlns:r="http://schemas.openxmlformats.org/officeDocument/2006/relationships" xmlns:p="http://schemas.openxmlformats.org/presentationml/2006/main">
+  <p:cSld>
+    <p:spTree>
+      <p:nvGrpSpPr>
+        <p:cNvPr id="1" name=""/>
+        <p:cNvGrpSpPr/>
+        <p:nvPr/>
+      </p:nvGrpSpPr>
+      <p:grpSpPr>
+        <a:xfrm>
+          <a:off x="0" y="0"/>
+          <a:ext cx="0" cy="0"/>
+          <a:chOff x="0" y="0"/>
+          <a:chExt cx="0" cy="0"/>
+        </a:xfrm>
+      </p:grpSpPr>
+      <p:sp>
+        <p:nvSpPr>
+          <p:cNvPr id="4" name="Title 3"/>
+          <p:cNvSpPr>
+            <a:spLocks noGrp="1"/>
+          </p:cNvSpPr>
+          <p:nvPr>
+            <p:ph type="title"/>
+          </p:nvPr>
+        </p:nvSpPr>
+        <p:spPr>
+          <a:xfrm>
             <a:off x="601670" y="2054655"/>
             <a:ext cx="6871725" cy="763525"/>
           </a:xfrm>
@@ -4140,100 +4234,6 @@
     <p:extLst>
       <p:ext uri="{BB962C8B-B14F-4D97-AF65-F5344CB8AC3E}">
         <p14:creationId xmlns:p14="http://schemas.microsoft.com/office/powerpoint/2010/main" val="855715710"/>
-      </p:ext>
-    </p:extLst>
-  </p:cSld>
-  <p:clrMapOvr>
-    <a:masterClrMapping/>
-  </p:clrMapOvr>
-</p:sld>
-</file>
-
-<file path=ppt/slides/slide13.xml><?xml version="1.0" encoding="utf-8"?>
-<p:sld xmlns:a="http://schemas.openxmlformats.org/drawingml/2006/main" xmlns:r="http://schemas.openxmlformats.org/officeDocument/2006/relationships" xmlns:p="http://schemas.openxmlformats.org/presentationml/2006/main">
-  <p:cSld>
-    <p:spTree>
-      <p:nvGrpSpPr>
-        <p:cNvPr id="1" name=""/>
-        <p:cNvGrpSpPr/>
-        <p:nvPr/>
-      </p:nvGrpSpPr>
-      <p:grpSpPr>
-        <a:xfrm>
-          <a:off x="0" y="0"/>
-          <a:ext cx="0" cy="0"/>
-          <a:chOff x="0" y="0"/>
-          <a:chExt cx="0" cy="0"/>
-        </a:xfrm>
-      </p:grpSpPr>
-      <p:sp>
-        <p:nvSpPr>
-          <p:cNvPr id="4" name="Title 3"/>
-          <p:cNvSpPr>
-            <a:spLocks noGrp="1"/>
-          </p:cNvSpPr>
-          <p:nvPr>
-            <p:ph type="title"/>
-          </p:nvPr>
-        </p:nvSpPr>
-        <p:spPr>
-          <a:xfrm>
-            <a:off x="763763" y="2360065"/>
-            <a:ext cx="6871725" cy="763525"/>
-          </a:xfrm>
-        </p:spPr>
-        <p:txBody>
-          <a:bodyPr/>
-          <a:lstStyle/>
-          <a:p>
-            <a:pPr algn="ctr"/>
-            <a:r>
-              <a:rPr lang="en-US" dirty="0"/>
-              <a:t>Predictions</a:t>
-            </a:r>
-          </a:p>
-        </p:txBody>
-      </p:sp>
-      <p:pic>
-        <p:nvPicPr>
-          <p:cNvPr id="6" name="Picture 5">
-            <a:extLst>
-              <a:ext uri="{FF2B5EF4-FFF2-40B4-BE49-F238E27FC236}">
-                <a16:creationId xmlns:a16="http://schemas.microsoft.com/office/drawing/2014/main" id="{C05CDE5A-7316-4214-A72B-2A9A810AA40B}"/>
-              </a:ext>
-            </a:extLst>
-          </p:cNvPr>
-          <p:cNvPicPr>
-            <a:picLocks noChangeAspect="1"/>
-          </p:cNvPicPr>
-          <p:nvPr/>
-        </p:nvPicPr>
-        <p:blipFill>
-          <a:blip r:embed="rId2">
-            <a:extLst>
-              <a:ext uri="{28A0092B-C50C-407E-A947-70E740481C1C}">
-                <a14:useLocalDpi xmlns:a14="http://schemas.microsoft.com/office/drawing/2010/main" val="0"/>
-              </a:ext>
-            </a:extLst>
-          </a:blip>
-          <a:stretch>
-            <a:fillRect/>
-          </a:stretch>
-        </p:blipFill>
-        <p:spPr>
-          <a:xfrm>
-            <a:off x="754375" y="3376632"/>
-            <a:ext cx="7320690" cy="2254833"/>
-          </a:xfrm>
-          <a:prstGeom prst="rect">
-            <a:avLst/>
-          </a:prstGeom>
-        </p:spPr>
-      </p:pic>
-    </p:spTree>
-    <p:extLst>
-      <p:ext uri="{BB962C8B-B14F-4D97-AF65-F5344CB8AC3E}">
-        <p14:creationId xmlns:p14="http://schemas.microsoft.com/office/powerpoint/2010/main" val="2906728378"/>
       </p:ext>
     </p:extLst>
   </p:cSld>
@@ -4641,7 +4641,7 @@
         </p:nvSpPr>
         <p:spPr>
           <a:xfrm>
-            <a:off x="601670" y="2054655"/>
+            <a:off x="907080" y="1994294"/>
             <a:ext cx="6871725" cy="763525"/>
           </a:xfrm>
         </p:spPr>
@@ -4671,8 +4671,8 @@
         </p:nvSpPr>
         <p:spPr>
           <a:xfrm>
-            <a:off x="1212490" y="3059668"/>
-            <a:ext cx="6409035" cy="369332"/>
+            <a:off x="1517900" y="2970885"/>
+            <a:ext cx="6103625" cy="369332"/>
           </a:xfrm>
           <a:prstGeom prst="rect">
             <a:avLst/>
@@ -4699,6 +4699,64 @@
                 <a:schemeClr val="bg2"/>
               </a:solidFill>
             </a:endParaRPr>
+          </a:p>
+        </p:txBody>
+      </p:sp>
+      <p:sp>
+        <p:nvSpPr>
+          <p:cNvPr id="8" name="TextBox 7">
+            <a:extLst>
+              <a:ext uri="{FF2B5EF4-FFF2-40B4-BE49-F238E27FC236}">
+                <a16:creationId xmlns:a16="http://schemas.microsoft.com/office/drawing/2014/main" id="{50E13099-A410-4C70-9263-D343F4F0D7A9}"/>
+              </a:ext>
+            </a:extLst>
+          </p:cNvPr>
+          <p:cNvSpPr txBox="1"/>
+          <p:nvPr/>
+        </p:nvSpPr>
+        <p:spPr>
+          <a:xfrm>
+            <a:off x="1670604" y="3730850"/>
+            <a:ext cx="6256329" cy="1200329"/>
+          </a:xfrm>
+          <a:prstGeom prst="rect">
+            <a:avLst/>
+          </a:prstGeom>
+          <a:noFill/>
+        </p:spPr>
+        <p:txBody>
+          <a:bodyPr wrap="square">
+            <a:spAutoFit/>
+          </a:bodyPr>
+          <a:lstStyle/>
+          <a:p>
+            <a:r>
+              <a:rPr lang="en-US" b="0" i="0" dirty="0">
+                <a:solidFill>
+                  <a:srgbClr val="D1D2D3"/>
+                </a:solidFill>
+                <a:effectLst/>
+                <a:latin typeface="Slack-Lato"/>
+              </a:rPr>
+              <a:t>which is from US Financial Institution </a:t>
+            </a:r>
+          </a:p>
+          <a:p>
+            <a:r>
+              <a:rPr lang="en-US" b="0" i="0" dirty="0">
+                <a:solidFill>
+                  <a:srgbClr val="D1D2D3"/>
+                </a:solidFill>
+                <a:effectLst/>
+                <a:latin typeface="Slack-Lato"/>
+              </a:rPr>
+              <a:t>The data has over 800,000 rows and 80 columns </a:t>
+            </a:r>
+            <a:r>
+              <a:rPr lang="en-US" dirty="0"/>
+              <a:t>which is from US Financial Institution not insurance industry. Also,  "The data has over 800,000 rows and 80 columns</a:t>
+            </a:r>
+            <a:endParaRPr lang="en-AU" dirty="0"/>
           </a:p>
         </p:txBody>
       </p:sp>
@@ -4744,7 +4802,7 @@
         </p:nvSpPr>
         <p:spPr>
           <a:xfrm>
-            <a:off x="601670" y="2054655"/>
+            <a:off x="754375" y="1835254"/>
             <a:ext cx="6871725" cy="763525"/>
           </a:xfrm>
         </p:spPr>
@@ -4782,7 +4840,7 @@
         </p:blipFill>
         <p:spPr>
           <a:xfrm>
-            <a:off x="1212490" y="3123590"/>
+            <a:off x="4888439" y="4438316"/>
             <a:ext cx="789059" cy="673330"/>
           </a:xfrm>
           <a:prstGeom prst="rect">
@@ -4804,8 +4862,8 @@
         </p:nvSpPr>
         <p:spPr>
           <a:xfrm>
-            <a:off x="2286000" y="3105835"/>
-            <a:ext cx="4572000" cy="369332"/>
+            <a:off x="6251755" y="4490138"/>
+            <a:ext cx="4740835" cy="369332"/>
           </a:xfrm>
           <a:prstGeom prst="rect">
             <a:avLst/>
@@ -4851,7 +4909,7 @@
         </p:blipFill>
         <p:spPr>
           <a:xfrm>
-            <a:off x="1158205" y="4102330"/>
+            <a:off x="4973744" y="5510141"/>
             <a:ext cx="839294" cy="763525"/>
           </a:xfrm>
           <a:prstGeom prst="rect">
@@ -4873,7 +4931,7 @@
         </p:nvSpPr>
         <p:spPr>
           <a:xfrm>
-            <a:off x="2434130" y="4299426"/>
+            <a:off x="6251755" y="5542095"/>
             <a:ext cx="1221640" cy="369332"/>
           </a:xfrm>
           <a:prstGeom prst="rect">
@@ -4917,7 +4975,7 @@
         </p:nvSpPr>
         <p:spPr>
           <a:xfrm>
-            <a:off x="2586835" y="5189467"/>
+            <a:off x="2586835" y="4747469"/>
             <a:ext cx="1221640" cy="369332"/>
           </a:xfrm>
           <a:prstGeom prst="rect">
@@ -4964,7 +5022,7 @@
         </p:blipFill>
         <p:spPr>
           <a:xfrm>
-            <a:off x="1082001" y="5081070"/>
+            <a:off x="1212490" y="4490138"/>
             <a:ext cx="1050036" cy="883995"/>
           </a:xfrm>
           <a:prstGeom prst="rect">
@@ -4994,7 +5052,7 @@
         </p:blipFill>
         <p:spPr>
           <a:xfrm>
-            <a:off x="4600929" y="4516107"/>
+            <a:off x="4973744" y="2909896"/>
             <a:ext cx="887303" cy="1129925"/>
           </a:xfrm>
           <a:prstGeom prst="rect">
@@ -5016,8 +5074,8 @@
         </p:nvSpPr>
         <p:spPr>
           <a:xfrm>
-            <a:off x="6633517" y="4865855"/>
-            <a:ext cx="1679755" cy="369332"/>
+            <a:off x="6370099" y="3281404"/>
+            <a:ext cx="2102999" cy="369332"/>
           </a:xfrm>
           <a:prstGeom prst="rect">
             <a:avLst/>
@@ -5068,7 +5126,7 @@
         </p:blipFill>
         <p:spPr>
           <a:xfrm>
-            <a:off x="4524059" y="3126617"/>
+            <a:off x="1212490" y="2989078"/>
             <a:ext cx="964173" cy="879843"/>
           </a:xfrm>
           <a:prstGeom prst="rect">
@@ -5090,7 +5148,7 @@
         </p:nvSpPr>
         <p:spPr>
           <a:xfrm>
-            <a:off x="5893827" y="3378757"/>
+            <a:off x="2434130" y="3127469"/>
             <a:ext cx="2190388" cy="369332"/>
           </a:xfrm>
           <a:prstGeom prst="rect">
